--- a/article/how_to_improve_software_testing_capablity_by_container/设备直通.pptx
+++ b/article/how_to_improve_software_testing_capablity_by_container/设备直通.pptx
@@ -5,10 +5,11 @@
     <p:sldMasterId id="2147483648" r:id="rId1"/>
   </p:sldMasterIdLst>
   <p:notesMasterIdLst>
-    <p:notesMasterId r:id="rId3"/>
+    <p:notesMasterId r:id="rId4"/>
   </p:notesMasterIdLst>
   <p:sldIdLst>
     <p:sldId id="316" r:id="rId2"/>
+    <p:sldId id="317" r:id="rId3"/>
   </p:sldIdLst>
   <p:sldSz cx="12192000" cy="6858000"/>
   <p:notesSz cx="6858000" cy="9144000"/>
@@ -193,7 +194,7 @@
             <a:fld id="{EA701DDB-C3B4-4361-A8C7-83E55D58CD24}" type="datetimeFigureOut">
               <a:rPr lang="zh-CN" altLang="en-US" smtClean="0"/>
               <a:pPr/>
-              <a:t>2016/12/9</a:t>
+              <a:t>2017/1/20</a:t>
             </a:fld>
             <a:endParaRPr lang="zh-CN" altLang="en-US"/>
           </a:p>
@@ -591,7 +592,7 @@
             <a:fld id="{D997B5FA-0921-464F-AAE1-844C04324D75}" type="datetimeFigureOut">
               <a:rPr lang="zh-CN" altLang="en-US" smtClean="0"/>
               <a:pPr/>
-              <a:t>2016/12/9</a:t>
+              <a:t>2017/1/20</a:t>
             </a:fld>
             <a:endParaRPr lang="zh-CN" altLang="en-US"/>
           </a:p>
@@ -758,7 +759,7 @@
             <a:fld id="{D997B5FA-0921-464F-AAE1-844C04324D75}" type="datetimeFigureOut">
               <a:rPr lang="zh-CN" altLang="en-US" smtClean="0"/>
               <a:pPr/>
-              <a:t>2016/12/9</a:t>
+              <a:t>2017/1/20</a:t>
             </a:fld>
             <a:endParaRPr lang="zh-CN" altLang="en-US"/>
           </a:p>
@@ -935,7 +936,7 @@
             <a:fld id="{D997B5FA-0921-464F-AAE1-844C04324D75}" type="datetimeFigureOut">
               <a:rPr lang="zh-CN" altLang="en-US" smtClean="0"/>
               <a:pPr/>
-              <a:t>2016/12/9</a:t>
+              <a:t>2017/1/20</a:t>
             </a:fld>
             <a:endParaRPr lang="zh-CN" altLang="en-US"/>
           </a:p>
@@ -1102,7 +1103,7 @@
             <a:fld id="{D997B5FA-0921-464F-AAE1-844C04324D75}" type="datetimeFigureOut">
               <a:rPr lang="zh-CN" altLang="en-US" smtClean="0"/>
               <a:pPr/>
-              <a:t>2016/12/9</a:t>
+              <a:t>2017/1/20</a:t>
             </a:fld>
             <a:endParaRPr lang="zh-CN" altLang="en-US"/>
           </a:p>
@@ -1345,7 +1346,7 @@
             <a:fld id="{D997B5FA-0921-464F-AAE1-844C04324D75}" type="datetimeFigureOut">
               <a:rPr lang="zh-CN" altLang="en-US" smtClean="0"/>
               <a:pPr/>
-              <a:t>2016/12/9</a:t>
+              <a:t>2017/1/20</a:t>
             </a:fld>
             <a:endParaRPr lang="zh-CN" altLang="en-US"/>
           </a:p>
@@ -1574,7 +1575,7 @@
             <a:fld id="{D997B5FA-0921-464F-AAE1-844C04324D75}" type="datetimeFigureOut">
               <a:rPr lang="zh-CN" altLang="en-US" smtClean="0"/>
               <a:pPr/>
-              <a:t>2016/12/9</a:t>
+              <a:t>2017/1/20</a:t>
             </a:fld>
             <a:endParaRPr lang="zh-CN" altLang="en-US"/>
           </a:p>
@@ -1938,7 +1939,7 @@
             <a:fld id="{D997B5FA-0921-464F-AAE1-844C04324D75}" type="datetimeFigureOut">
               <a:rPr lang="zh-CN" altLang="en-US" smtClean="0"/>
               <a:pPr/>
-              <a:t>2016/12/9</a:t>
+              <a:t>2017/1/20</a:t>
             </a:fld>
             <a:endParaRPr lang="zh-CN" altLang="en-US"/>
           </a:p>
@@ -2053,7 +2054,7 @@
             <a:fld id="{D997B5FA-0921-464F-AAE1-844C04324D75}" type="datetimeFigureOut">
               <a:rPr lang="zh-CN" altLang="en-US" smtClean="0"/>
               <a:pPr/>
-              <a:t>2016/12/9</a:t>
+              <a:t>2017/1/20</a:t>
             </a:fld>
             <a:endParaRPr lang="zh-CN" altLang="en-US"/>
           </a:p>
@@ -2145,7 +2146,7 @@
             <a:fld id="{D997B5FA-0921-464F-AAE1-844C04324D75}" type="datetimeFigureOut">
               <a:rPr lang="zh-CN" altLang="en-US" smtClean="0"/>
               <a:pPr/>
-              <a:t>2016/12/9</a:t>
+              <a:t>2017/1/20</a:t>
             </a:fld>
             <a:endParaRPr lang="zh-CN" altLang="en-US"/>
           </a:p>
@@ -2419,7 +2420,7 @@
             <a:fld id="{D997B5FA-0921-464F-AAE1-844C04324D75}" type="datetimeFigureOut">
               <a:rPr lang="zh-CN" altLang="en-US" smtClean="0"/>
               <a:pPr/>
-              <a:t>2016/12/9</a:t>
+              <a:t>2017/1/20</a:t>
             </a:fld>
             <a:endParaRPr lang="zh-CN" altLang="en-US"/>
           </a:p>
@@ -2669,7 +2670,7 @@
             <a:fld id="{D997B5FA-0921-464F-AAE1-844C04324D75}" type="datetimeFigureOut">
               <a:rPr lang="zh-CN" altLang="en-US" smtClean="0"/>
               <a:pPr/>
-              <a:t>2016/12/9</a:t>
+              <a:t>2017/1/20</a:t>
             </a:fld>
             <a:endParaRPr lang="zh-CN" altLang="en-US"/>
           </a:p>
@@ -2885,7 +2886,7 @@
             <a:fld id="{D997B5FA-0921-464F-AAE1-844C04324D75}" type="datetimeFigureOut">
               <a:rPr lang="zh-CN" altLang="en-US" smtClean="0"/>
               <a:pPr/>
-              <a:t>2016/12/9</a:t>
+              <a:t>2017/1/20</a:t>
             </a:fld>
             <a:endParaRPr lang="zh-CN" altLang="en-US"/>
           </a:p>
@@ -3987,11 +3988,7 @@
           <a:p>
             <a:r>
               <a:rPr lang="zh-CN" altLang="en-US" dirty="0" smtClean="0"/>
-              <a:t>应用</a:t>
-            </a:r>
-            <a:r>
-              <a:rPr lang="zh-CN" altLang="en-US" dirty="0" smtClean="0"/>
-              <a:t>层</a:t>
+              <a:t>应用层</a:t>
             </a:r>
             <a:endParaRPr lang="zh-CN" altLang="en-US" dirty="0"/>
           </a:p>
@@ -5094,6 +5091,1847 @@
             <a:r>
               <a:rPr lang="zh-CN" altLang="en-US" dirty="0" smtClean="0"/>
               <a:t>内核</a:t>
+            </a:r>
+            <a:endParaRPr lang="zh-CN" altLang="en-US" dirty="0"/>
+          </a:p>
+        </p:txBody>
+      </p:sp>
+    </p:spTree>
+  </p:cSld>
+  <p:clrMapOvr>
+    <a:masterClrMapping/>
+  </p:clrMapOvr>
+  <p:timing>
+    <p:tnLst>
+      <p:par>
+        <p:cTn id="1" dur="indefinite" restart="never" nodeType="tmRoot"/>
+      </p:par>
+    </p:tnLst>
+  </p:timing>
+</p:sld>
+</file>
+
+<file path=ppt/slides/slide2.xml><?xml version="1.0" encoding="utf-8"?>
+<p:sld xmlns:a="http://schemas.openxmlformats.org/drawingml/2006/main" xmlns:r="http://schemas.openxmlformats.org/officeDocument/2006/relationships" xmlns:p="http://schemas.openxmlformats.org/presentationml/2006/main">
+  <p:cSld>
+    <p:spTree>
+      <p:nvGrpSpPr>
+        <p:cNvPr id="1" name=""/>
+        <p:cNvGrpSpPr/>
+        <p:nvPr/>
+      </p:nvGrpSpPr>
+      <p:grpSpPr>
+        <a:xfrm>
+          <a:off x="0" y="0"/>
+          <a:ext cx="0" cy="0"/>
+          <a:chOff x="0" y="0"/>
+          <a:chExt cx="0" cy="0"/>
+        </a:xfrm>
+      </p:grpSpPr>
+      <p:sp>
+        <p:nvSpPr>
+          <p:cNvPr id="73" name="矩形 72"/>
+          <p:cNvSpPr/>
+          <p:nvPr/>
+        </p:nvSpPr>
+        <p:spPr>
+          <a:xfrm>
+            <a:off x="1160060" y="3935578"/>
+            <a:ext cx="7998117" cy="650936"/>
+          </a:xfrm>
+          <a:prstGeom prst="rect">
+            <a:avLst/>
+          </a:prstGeom>
+          <a:solidFill>
+            <a:schemeClr val="accent1">
+              <a:alpha val="0"/>
+            </a:schemeClr>
+          </a:solidFill>
+          <a:ln>
+            <a:solidFill>
+              <a:schemeClr val="accent1">
+                <a:shade val="50000"/>
+              </a:schemeClr>
+            </a:solidFill>
+            <a:prstDash val="lgDash"/>
+          </a:ln>
+        </p:spPr>
+        <p:style>
+          <a:lnRef idx="2">
+            <a:schemeClr val="accent1">
+              <a:shade val="50000"/>
+            </a:schemeClr>
+          </a:lnRef>
+          <a:fillRef idx="1">
+            <a:schemeClr val="accent1"/>
+          </a:fillRef>
+          <a:effectRef idx="0">
+            <a:schemeClr val="accent1"/>
+          </a:effectRef>
+          <a:fontRef idx="minor">
+            <a:schemeClr val="lt1"/>
+          </a:fontRef>
+        </p:style>
+        <p:txBody>
+          <a:bodyPr rtlCol="0" anchor="ctr"/>
+          <a:lstStyle/>
+          <a:p>
+            <a:pPr algn="ctr"/>
+            <a:endParaRPr lang="zh-CN" altLang="en-US"/>
+          </a:p>
+        </p:txBody>
+      </p:sp>
+      <p:sp>
+        <p:nvSpPr>
+          <p:cNvPr id="65" name="矩形 64"/>
+          <p:cNvSpPr/>
+          <p:nvPr/>
+        </p:nvSpPr>
+        <p:spPr>
+          <a:xfrm>
+            <a:off x="1146412" y="4688006"/>
+            <a:ext cx="8018854" cy="436894"/>
+          </a:xfrm>
+          <a:prstGeom prst="rect">
+            <a:avLst/>
+          </a:prstGeom>
+          <a:solidFill>
+            <a:schemeClr val="accent1">
+              <a:alpha val="0"/>
+            </a:schemeClr>
+          </a:solidFill>
+          <a:ln>
+            <a:solidFill>
+              <a:schemeClr val="accent1">
+                <a:shade val="50000"/>
+              </a:schemeClr>
+            </a:solidFill>
+            <a:prstDash val="lgDash"/>
+          </a:ln>
+        </p:spPr>
+        <p:style>
+          <a:lnRef idx="2">
+            <a:schemeClr val="accent1">
+              <a:shade val="50000"/>
+            </a:schemeClr>
+          </a:lnRef>
+          <a:fillRef idx="1">
+            <a:schemeClr val="accent1"/>
+          </a:fillRef>
+          <a:effectRef idx="0">
+            <a:schemeClr val="accent1"/>
+          </a:effectRef>
+          <a:fontRef idx="minor">
+            <a:schemeClr val="lt1"/>
+          </a:fontRef>
+        </p:style>
+        <p:txBody>
+          <a:bodyPr rtlCol="0" anchor="ctr"/>
+          <a:lstStyle/>
+          <a:p>
+            <a:pPr algn="ctr"/>
+            <a:endParaRPr lang="zh-CN" altLang="en-US"/>
+          </a:p>
+        </p:txBody>
+      </p:sp>
+      <p:sp>
+        <p:nvSpPr>
+          <p:cNvPr id="1026" name="AutoShape 2" descr="Image result for ubuntu"/>
+          <p:cNvSpPr>
+            <a:spLocks noChangeAspect="1" noChangeArrowheads="1"/>
+          </p:cNvSpPr>
+          <p:nvPr/>
+        </p:nvSpPr>
+        <p:spPr bwMode="auto">
+          <a:xfrm>
+            <a:off x="155575" y="-144463"/>
+            <a:ext cx="304800" cy="304801"/>
+          </a:xfrm>
+          <a:prstGeom prst="rect">
+            <a:avLst/>
+          </a:prstGeom>
+          <a:noFill/>
+        </p:spPr>
+        <p:txBody>
+          <a:bodyPr vert="horz" wrap="square" lIns="91440" tIns="45720" rIns="91440" bIns="45720" numCol="1" anchor="t" anchorCtr="0" compatLnSpc="1">
+            <a:prstTxWarp prst="textNoShape">
+              <a:avLst/>
+            </a:prstTxWarp>
+          </a:bodyPr>
+          <a:lstStyle/>
+          <a:p>
+            <a:endParaRPr lang="zh-CN" altLang="en-US"/>
+          </a:p>
+        </p:txBody>
+      </p:sp>
+      <p:sp>
+        <p:nvSpPr>
+          <p:cNvPr id="45" name="Flowchart: Process 65"/>
+          <p:cNvSpPr/>
+          <p:nvPr/>
+        </p:nvSpPr>
+        <p:spPr>
+          <a:xfrm>
+            <a:off x="1153236" y="5624637"/>
+            <a:ext cx="8026471" cy="421321"/>
+          </a:xfrm>
+          <a:prstGeom prst="flowChartProcess">
+            <a:avLst/>
+          </a:prstGeom>
+          <a:solidFill>
+            <a:srgbClr val="92D050"/>
+          </a:solidFill>
+        </p:spPr>
+        <p:style>
+          <a:lnRef idx="2">
+            <a:schemeClr val="accent1">
+              <a:shade val="50000"/>
+            </a:schemeClr>
+          </a:lnRef>
+          <a:fillRef idx="1">
+            <a:schemeClr val="accent1"/>
+          </a:fillRef>
+          <a:effectRef idx="0">
+            <a:schemeClr val="accent1"/>
+          </a:effectRef>
+          <a:fontRef idx="minor">
+            <a:schemeClr val="lt1"/>
+          </a:fontRef>
+        </p:style>
+        <p:txBody>
+          <a:bodyPr rtlCol="0" anchor="ctr"/>
+          <a:lstStyle/>
+          <a:p>
+            <a:pPr algn="ctr"/>
+            <a:endParaRPr lang="en-US" dirty="0"/>
+          </a:p>
+        </p:txBody>
+      </p:sp>
+      <p:sp>
+        <p:nvSpPr>
+          <p:cNvPr id="50" name="TextBox 49"/>
+          <p:cNvSpPr txBox="1"/>
+          <p:nvPr/>
+        </p:nvSpPr>
+        <p:spPr>
+          <a:xfrm>
+            <a:off x="8700565" y="4776085"/>
+            <a:ext cx="296175" cy="369332"/>
+          </a:xfrm>
+          <a:prstGeom prst="rect">
+            <a:avLst/>
+          </a:prstGeom>
+          <a:noFill/>
+        </p:spPr>
+        <p:txBody>
+          <a:bodyPr wrap="square" rtlCol="0">
+            <a:spAutoFit/>
+          </a:bodyPr>
+          <a:lstStyle/>
+          <a:p>
+            <a:r>
+              <a:rPr lang="en-US" altLang="zh-CN" dirty="0" smtClean="0"/>
+              <a:t>…</a:t>
+            </a:r>
+            <a:endParaRPr lang="zh-CN" altLang="en-US" dirty="0"/>
+          </a:p>
+        </p:txBody>
+      </p:sp>
+      <p:sp>
+        <p:nvSpPr>
+          <p:cNvPr id="51" name="Flowchart: Process 65"/>
+          <p:cNvSpPr/>
+          <p:nvPr/>
+        </p:nvSpPr>
+        <p:spPr>
+          <a:xfrm>
+            <a:off x="1146412" y="5209961"/>
+            <a:ext cx="8040119" cy="373763"/>
+          </a:xfrm>
+          <a:prstGeom prst="flowChartProcess">
+            <a:avLst/>
+          </a:prstGeom>
+          <a:solidFill>
+            <a:srgbClr val="00B0F0"/>
+          </a:solidFill>
+        </p:spPr>
+        <p:style>
+          <a:lnRef idx="2">
+            <a:schemeClr val="accent1">
+              <a:shade val="50000"/>
+            </a:schemeClr>
+          </a:lnRef>
+          <a:fillRef idx="1">
+            <a:schemeClr val="accent1"/>
+          </a:fillRef>
+          <a:effectRef idx="0">
+            <a:schemeClr val="accent1"/>
+          </a:effectRef>
+          <a:fontRef idx="minor">
+            <a:schemeClr val="lt1"/>
+          </a:fontRef>
+        </p:style>
+        <p:txBody>
+          <a:bodyPr rtlCol="0" anchor="ctr"/>
+          <a:lstStyle/>
+          <a:p>
+            <a:pPr algn="ctr"/>
+            <a:r>
+              <a:rPr lang="en-US" altLang="zh-CN" dirty="0" smtClean="0"/>
+              <a:t>Kernel</a:t>
+            </a:r>
+            <a:endParaRPr lang="en-US" dirty="0"/>
+          </a:p>
+        </p:txBody>
+      </p:sp>
+      <p:sp>
+        <p:nvSpPr>
+          <p:cNvPr id="60" name="圆角矩形 59"/>
+          <p:cNvSpPr/>
+          <p:nvPr/>
+        </p:nvSpPr>
+        <p:spPr>
+          <a:xfrm>
+            <a:off x="1375957" y="4742336"/>
+            <a:ext cx="794037" cy="320984"/>
+          </a:xfrm>
+          <a:prstGeom prst="roundRect">
+            <a:avLst/>
+          </a:prstGeom>
+          <a:solidFill>
+            <a:srgbClr val="FFC000"/>
+          </a:solidFill>
+          <a:ln>
+            <a:noFill/>
+          </a:ln>
+          <a:effectLst>
+            <a:outerShdw blurRad="44450" dist="27940" dir="5400000" algn="ctr">
+              <a:srgbClr val="000000">
+                <a:alpha val="32000"/>
+              </a:srgbClr>
+            </a:outerShdw>
+          </a:effectLst>
+          <a:scene3d>
+            <a:camera prst="orthographicFront">
+              <a:rot lat="0" lon="0" rev="0"/>
+            </a:camera>
+            <a:lightRig rig="balanced" dir="t">
+              <a:rot lat="0" lon="0" rev="8700000"/>
+            </a:lightRig>
+          </a:scene3d>
+          <a:sp3d>
+            <a:bevelT w="190500" h="38100"/>
+          </a:sp3d>
+        </p:spPr>
+        <p:style>
+          <a:lnRef idx="2">
+            <a:schemeClr val="accent1">
+              <a:shade val="50000"/>
+            </a:schemeClr>
+          </a:lnRef>
+          <a:fillRef idx="1">
+            <a:schemeClr val="accent1"/>
+          </a:fillRef>
+          <a:effectRef idx="0">
+            <a:schemeClr val="accent1"/>
+          </a:effectRef>
+          <a:fontRef idx="minor">
+            <a:schemeClr val="lt1"/>
+          </a:fontRef>
+        </p:style>
+        <p:txBody>
+          <a:bodyPr rtlCol="0" anchor="ctr"/>
+          <a:lstStyle/>
+          <a:p>
+            <a:pPr algn="ctr"/>
+            <a:r>
+              <a:rPr lang="en-US" altLang="zh-CN" sz="1400" dirty="0" err="1" smtClean="0"/>
+              <a:t>tun</a:t>
+            </a:r>
+            <a:r>
+              <a:rPr lang="en-US" altLang="zh-CN" sz="1400" dirty="0" smtClean="0"/>
+              <a:t>-tap</a:t>
+            </a:r>
+          </a:p>
+        </p:txBody>
+      </p:sp>
+      <p:pic>
+        <p:nvPicPr>
+          <p:cNvPr id="49154" name="Picture 2"/>
+          <p:cNvPicPr>
+            <a:picLocks noChangeAspect="1" noChangeArrowheads="1"/>
+          </p:cNvPicPr>
+          <p:nvPr/>
+        </p:nvPicPr>
+        <p:blipFill>
+          <a:blip r:embed="rId2" cstate="print"/>
+          <a:srcRect/>
+          <a:stretch>
+            <a:fillRect/>
+          </a:stretch>
+        </p:blipFill>
+        <p:spPr bwMode="auto">
+          <a:xfrm>
+            <a:off x="2602873" y="4075930"/>
+            <a:ext cx="542925" cy="514350"/>
+          </a:xfrm>
+          <a:prstGeom prst="rect">
+            <a:avLst/>
+          </a:prstGeom>
+          <a:noFill/>
+          <a:ln w="9525">
+            <a:noFill/>
+            <a:miter lim="800000"/>
+            <a:headEnd/>
+            <a:tailEnd/>
+          </a:ln>
+        </p:spPr>
+      </p:pic>
+      <p:pic>
+        <p:nvPicPr>
+          <p:cNvPr id="49155" name="Picture 3"/>
+          <p:cNvPicPr>
+            <a:picLocks noChangeAspect="1" noChangeArrowheads="1"/>
+          </p:cNvPicPr>
+          <p:nvPr/>
+        </p:nvPicPr>
+        <p:blipFill>
+          <a:blip r:embed="rId3" cstate="print"/>
+          <a:srcRect/>
+          <a:stretch>
+            <a:fillRect/>
+          </a:stretch>
+        </p:blipFill>
+        <p:spPr bwMode="auto">
+          <a:xfrm>
+            <a:off x="3313039" y="4093873"/>
+            <a:ext cx="504825" cy="457200"/>
+          </a:xfrm>
+          <a:prstGeom prst="rect">
+            <a:avLst/>
+          </a:prstGeom>
+          <a:noFill/>
+          <a:ln w="9525">
+            <a:noFill/>
+            <a:miter lim="800000"/>
+            <a:headEnd/>
+            <a:tailEnd/>
+          </a:ln>
+        </p:spPr>
+      </p:pic>
+      <p:pic>
+        <p:nvPicPr>
+          <p:cNvPr id="49156" name="Picture 4"/>
+          <p:cNvPicPr>
+            <a:picLocks noChangeAspect="1" noChangeArrowheads="1"/>
+          </p:cNvPicPr>
+          <p:nvPr/>
+        </p:nvPicPr>
+        <p:blipFill>
+          <a:blip r:embed="rId4" cstate="print"/>
+          <a:srcRect/>
+          <a:stretch>
+            <a:fillRect/>
+          </a:stretch>
+        </p:blipFill>
+        <p:spPr bwMode="auto">
+          <a:xfrm>
+            <a:off x="3862277" y="4071168"/>
+            <a:ext cx="533400" cy="523875"/>
+          </a:xfrm>
+          <a:prstGeom prst="rect">
+            <a:avLst/>
+          </a:prstGeom>
+          <a:noFill/>
+          <a:ln w="9525">
+            <a:noFill/>
+            <a:miter lim="800000"/>
+            <a:headEnd/>
+            <a:tailEnd/>
+          </a:ln>
+        </p:spPr>
+      </p:pic>
+      <p:pic>
+        <p:nvPicPr>
+          <p:cNvPr id="49157" name="Picture 5"/>
+          <p:cNvPicPr>
+            <a:picLocks noChangeAspect="1" noChangeArrowheads="1"/>
+          </p:cNvPicPr>
+          <p:nvPr/>
+        </p:nvPicPr>
+        <p:blipFill>
+          <a:blip r:embed="rId5" cstate="print"/>
+          <a:srcRect/>
+          <a:stretch>
+            <a:fillRect/>
+          </a:stretch>
+        </p:blipFill>
+        <p:spPr bwMode="auto">
+          <a:xfrm>
+            <a:off x="4522603" y="4070061"/>
+            <a:ext cx="552450" cy="504825"/>
+          </a:xfrm>
+          <a:prstGeom prst="rect">
+            <a:avLst/>
+          </a:prstGeom>
+          <a:noFill/>
+          <a:ln w="9525">
+            <a:noFill/>
+            <a:miter lim="800000"/>
+            <a:headEnd/>
+            <a:tailEnd/>
+          </a:ln>
+        </p:spPr>
+      </p:pic>
+      <p:pic>
+        <p:nvPicPr>
+          <p:cNvPr id="49158" name="Picture 6"/>
+          <p:cNvPicPr>
+            <a:picLocks noChangeAspect="1" noChangeArrowheads="1"/>
+          </p:cNvPicPr>
+          <p:nvPr/>
+        </p:nvPicPr>
+        <p:blipFill>
+          <a:blip r:embed="rId6" cstate="print"/>
+          <a:srcRect/>
+          <a:stretch>
+            <a:fillRect/>
+          </a:stretch>
+        </p:blipFill>
+        <p:spPr bwMode="auto">
+          <a:xfrm>
+            <a:off x="5112158" y="4045140"/>
+            <a:ext cx="542925" cy="533400"/>
+          </a:xfrm>
+          <a:prstGeom prst="rect">
+            <a:avLst/>
+          </a:prstGeom>
+          <a:noFill/>
+          <a:ln w="9525">
+            <a:noFill/>
+            <a:miter lim="800000"/>
+            <a:headEnd/>
+            <a:tailEnd/>
+          </a:ln>
+        </p:spPr>
+      </p:pic>
+      <p:pic>
+        <p:nvPicPr>
+          <p:cNvPr id="49159" name="Picture 7"/>
+          <p:cNvPicPr>
+            <a:picLocks noChangeAspect="1" noChangeArrowheads="1"/>
+          </p:cNvPicPr>
+          <p:nvPr/>
+        </p:nvPicPr>
+        <p:blipFill>
+          <a:blip r:embed="rId7" cstate="print"/>
+          <a:srcRect/>
+          <a:stretch>
+            <a:fillRect/>
+          </a:stretch>
+        </p:blipFill>
+        <p:spPr bwMode="auto">
+          <a:xfrm>
+            <a:off x="5745349" y="4075929"/>
+            <a:ext cx="552450" cy="514350"/>
+          </a:xfrm>
+          <a:prstGeom prst="rect">
+            <a:avLst/>
+          </a:prstGeom>
+          <a:noFill/>
+          <a:ln w="9525">
+            <a:noFill/>
+            <a:miter lim="800000"/>
+            <a:headEnd/>
+            <a:tailEnd/>
+          </a:ln>
+        </p:spPr>
+      </p:pic>
+      <p:pic>
+        <p:nvPicPr>
+          <p:cNvPr id="49160" name="Picture 8"/>
+          <p:cNvPicPr>
+            <a:picLocks noChangeAspect="1" noChangeArrowheads="1"/>
+          </p:cNvPicPr>
+          <p:nvPr/>
+        </p:nvPicPr>
+        <p:blipFill>
+          <a:blip r:embed="rId8" cstate="print"/>
+          <a:srcRect/>
+          <a:stretch>
+            <a:fillRect/>
+          </a:stretch>
+        </p:blipFill>
+        <p:spPr bwMode="auto">
+          <a:xfrm>
+            <a:off x="6339664" y="4064190"/>
+            <a:ext cx="533400" cy="495300"/>
+          </a:xfrm>
+          <a:prstGeom prst="rect">
+            <a:avLst/>
+          </a:prstGeom>
+          <a:noFill/>
+          <a:ln w="9525">
+            <a:noFill/>
+            <a:miter lim="800000"/>
+            <a:headEnd/>
+            <a:tailEnd/>
+          </a:ln>
+        </p:spPr>
+      </p:pic>
+      <p:pic>
+        <p:nvPicPr>
+          <p:cNvPr id="49161" name="Picture 9"/>
+          <p:cNvPicPr>
+            <a:picLocks noChangeAspect="1" noChangeArrowheads="1"/>
+          </p:cNvPicPr>
+          <p:nvPr/>
+        </p:nvPicPr>
+        <p:blipFill>
+          <a:blip r:embed="rId9" cstate="print"/>
+          <a:srcRect/>
+          <a:stretch>
+            <a:fillRect/>
+          </a:stretch>
+        </p:blipFill>
+        <p:spPr bwMode="auto">
+          <a:xfrm>
+            <a:off x="6910168" y="4080693"/>
+            <a:ext cx="561975" cy="504825"/>
+          </a:xfrm>
+          <a:prstGeom prst="rect">
+            <a:avLst/>
+          </a:prstGeom>
+          <a:noFill/>
+          <a:ln w="9525">
+            <a:noFill/>
+            <a:miter lim="800000"/>
+            <a:headEnd/>
+            <a:tailEnd/>
+          </a:ln>
+        </p:spPr>
+      </p:pic>
+      <p:pic>
+        <p:nvPicPr>
+          <p:cNvPr id="49162" name="Picture 10"/>
+          <p:cNvPicPr>
+            <a:picLocks noChangeAspect="1" noChangeArrowheads="1"/>
+          </p:cNvPicPr>
+          <p:nvPr/>
+        </p:nvPicPr>
+        <p:blipFill>
+          <a:blip r:embed="rId10" cstate="print"/>
+          <a:srcRect/>
+          <a:stretch>
+            <a:fillRect/>
+          </a:stretch>
+        </p:blipFill>
+        <p:spPr bwMode="auto">
+          <a:xfrm>
+            <a:off x="7470370" y="4049903"/>
+            <a:ext cx="504825" cy="523875"/>
+          </a:xfrm>
+          <a:prstGeom prst="rect">
+            <a:avLst/>
+          </a:prstGeom>
+          <a:noFill/>
+          <a:ln w="9525">
+            <a:noFill/>
+            <a:miter lim="800000"/>
+            <a:headEnd/>
+            <a:tailEnd/>
+          </a:ln>
+        </p:spPr>
+      </p:pic>
+      <p:pic>
+        <p:nvPicPr>
+          <p:cNvPr id="49163" name="Picture 11"/>
+          <p:cNvPicPr>
+            <a:picLocks noChangeAspect="1" noChangeArrowheads="1"/>
+          </p:cNvPicPr>
+          <p:nvPr/>
+        </p:nvPicPr>
+        <p:blipFill>
+          <a:blip r:embed="rId11" cstate="print"/>
+          <a:srcRect/>
+          <a:stretch>
+            <a:fillRect/>
+          </a:stretch>
+        </p:blipFill>
+        <p:spPr bwMode="auto">
+          <a:xfrm>
+            <a:off x="7989925" y="4045140"/>
+            <a:ext cx="571500" cy="533400"/>
+          </a:xfrm>
+          <a:prstGeom prst="rect">
+            <a:avLst/>
+          </a:prstGeom>
+          <a:noFill/>
+          <a:ln w="9525">
+            <a:noFill/>
+            <a:miter lim="800000"/>
+            <a:headEnd/>
+            <a:tailEnd/>
+          </a:ln>
+        </p:spPr>
+      </p:pic>
+      <p:sp>
+        <p:nvSpPr>
+          <p:cNvPr id="72" name="TextBox 71"/>
+          <p:cNvSpPr txBox="1"/>
+          <p:nvPr/>
+        </p:nvSpPr>
+        <p:spPr>
+          <a:xfrm>
+            <a:off x="8649351" y="4203683"/>
+            <a:ext cx="296175" cy="369332"/>
+          </a:xfrm>
+          <a:prstGeom prst="rect">
+            <a:avLst/>
+          </a:prstGeom>
+          <a:noFill/>
+        </p:spPr>
+        <p:txBody>
+          <a:bodyPr wrap="square" rtlCol="0">
+            <a:spAutoFit/>
+          </a:bodyPr>
+          <a:lstStyle/>
+          <a:p>
+            <a:r>
+              <a:rPr lang="en-US" altLang="zh-CN" dirty="0" smtClean="0"/>
+              <a:t>…</a:t>
+            </a:r>
+            <a:endParaRPr lang="zh-CN" altLang="en-US" dirty="0"/>
+          </a:p>
+        </p:txBody>
+      </p:sp>
+      <p:sp>
+        <p:nvSpPr>
+          <p:cNvPr id="75" name="TextBox 74"/>
+          <p:cNvSpPr txBox="1"/>
+          <p:nvPr/>
+        </p:nvSpPr>
+        <p:spPr>
+          <a:xfrm>
+            <a:off x="9167109" y="4075651"/>
+            <a:ext cx="1900789" cy="369332"/>
+          </a:xfrm>
+          <a:prstGeom prst="rect">
+            <a:avLst/>
+          </a:prstGeom>
+          <a:noFill/>
+        </p:spPr>
+        <p:txBody>
+          <a:bodyPr wrap="square" rtlCol="0">
+            <a:spAutoFit/>
+          </a:bodyPr>
+          <a:lstStyle/>
+          <a:p>
+            <a:r>
+              <a:rPr lang="en-US" altLang="zh-CN" dirty="0" smtClean="0"/>
+              <a:t>Application layer</a:t>
+            </a:r>
+            <a:endParaRPr lang="zh-CN" altLang="en-US" dirty="0"/>
+          </a:p>
+        </p:txBody>
+      </p:sp>
+      <p:pic>
+        <p:nvPicPr>
+          <p:cNvPr id="40" name="Picture 2"/>
+          <p:cNvPicPr>
+            <a:picLocks noChangeAspect="1"/>
+          </p:cNvPicPr>
+          <p:nvPr/>
+        </p:nvPicPr>
+        <p:blipFill>
+          <a:blip r:embed="rId12" cstate="print"/>
+          <a:stretch>
+            <a:fillRect/>
+          </a:stretch>
+        </p:blipFill>
+        <p:spPr>
+          <a:xfrm>
+            <a:off x="1378949" y="4009937"/>
+            <a:ext cx="1221492" cy="575728"/>
+          </a:xfrm>
+          <a:prstGeom prst="rect">
+            <a:avLst/>
+          </a:prstGeom>
+        </p:spPr>
+      </p:pic>
+      <p:sp>
+        <p:nvSpPr>
+          <p:cNvPr id="41" name="圆角矩形 40"/>
+          <p:cNvSpPr/>
+          <p:nvPr/>
+        </p:nvSpPr>
+        <p:spPr>
+          <a:xfrm>
+            <a:off x="1503583" y="4151208"/>
+            <a:ext cx="878003" cy="195617"/>
+          </a:xfrm>
+          <a:prstGeom prst="roundRect">
+            <a:avLst/>
+          </a:prstGeom>
+          <a:solidFill>
+            <a:schemeClr val="bg1"/>
+          </a:solidFill>
+          <a:ln>
+            <a:noFill/>
+          </a:ln>
+        </p:spPr>
+        <p:style>
+          <a:lnRef idx="2">
+            <a:schemeClr val="accent1">
+              <a:shade val="50000"/>
+            </a:schemeClr>
+          </a:lnRef>
+          <a:fillRef idx="1">
+            <a:schemeClr val="accent1"/>
+          </a:fillRef>
+          <a:effectRef idx="0">
+            <a:schemeClr val="accent1"/>
+          </a:effectRef>
+          <a:fontRef idx="minor">
+            <a:schemeClr val="lt1"/>
+          </a:fontRef>
+        </p:style>
+        <p:txBody>
+          <a:bodyPr rtlCol="0" anchor="ctr"/>
+          <a:lstStyle/>
+          <a:p>
+            <a:pPr algn="ctr"/>
+            <a:r>
+              <a:rPr lang="en-US" altLang="zh-CN" sz="1400" dirty="0" smtClean="0">
+                <a:solidFill>
+                  <a:schemeClr val="tx1"/>
+                </a:solidFill>
+              </a:rPr>
+              <a:t>/dev/</a:t>
+            </a:r>
+            <a:r>
+              <a:rPr lang="en-US" altLang="zh-CN" sz="1400" dirty="0" err="1" smtClean="0">
+                <a:solidFill>
+                  <a:schemeClr val="tx1"/>
+                </a:solidFill>
+              </a:rPr>
+              <a:t>sda</a:t>
+            </a:r>
+            <a:endParaRPr lang="zh-CN" altLang="en-US" sz="1400" dirty="0">
+              <a:solidFill>
+                <a:schemeClr val="tx1"/>
+              </a:solidFill>
+            </a:endParaRPr>
+          </a:p>
+        </p:txBody>
+      </p:sp>
+      <p:sp>
+        <p:nvSpPr>
+          <p:cNvPr id="42" name="圆角矩形 41"/>
+          <p:cNvSpPr/>
+          <p:nvPr/>
+        </p:nvSpPr>
+        <p:spPr>
+          <a:xfrm>
+            <a:off x="1396623" y="5722998"/>
+            <a:ext cx="1156381" cy="195617"/>
+          </a:xfrm>
+          <a:prstGeom prst="roundRect">
+            <a:avLst/>
+          </a:prstGeom>
+          <a:solidFill>
+            <a:schemeClr val="bg1"/>
+          </a:solidFill>
+          <a:ln>
+            <a:noFill/>
+          </a:ln>
+        </p:spPr>
+        <p:style>
+          <a:lnRef idx="2">
+            <a:schemeClr val="accent1">
+              <a:shade val="50000"/>
+            </a:schemeClr>
+          </a:lnRef>
+          <a:fillRef idx="1">
+            <a:schemeClr val="accent1"/>
+          </a:fillRef>
+          <a:effectRef idx="0">
+            <a:schemeClr val="accent1"/>
+          </a:effectRef>
+          <a:fontRef idx="minor">
+            <a:schemeClr val="lt1"/>
+          </a:fontRef>
+        </p:style>
+        <p:txBody>
+          <a:bodyPr rtlCol="0" anchor="ctr"/>
+          <a:lstStyle/>
+          <a:p>
+            <a:pPr algn="ctr"/>
+            <a:r>
+              <a:rPr lang="en-US" altLang="zh-CN" sz="1400" dirty="0" smtClean="0">
+                <a:solidFill>
+                  <a:schemeClr val="tx1"/>
+                </a:solidFill>
+              </a:rPr>
+              <a:t>/dev/</a:t>
+            </a:r>
+            <a:r>
+              <a:rPr lang="en-US" altLang="zh-CN" sz="1400" dirty="0" err="1" smtClean="0">
+                <a:solidFill>
+                  <a:schemeClr val="tx1"/>
+                </a:solidFill>
+              </a:rPr>
+              <a:t>sda</a:t>
+            </a:r>
+            <a:endParaRPr lang="zh-CN" altLang="en-US" sz="1400" dirty="0">
+              <a:solidFill>
+                <a:schemeClr val="tx1"/>
+              </a:solidFill>
+            </a:endParaRPr>
+          </a:p>
+        </p:txBody>
+      </p:sp>
+      <p:cxnSp>
+        <p:nvCxnSpPr>
+          <p:cNvPr id="43" name="形状 47"/>
+          <p:cNvCxnSpPr>
+            <a:stCxn id="41" idx="1"/>
+            <a:endCxn id="42" idx="1"/>
+          </p:cNvCxnSpPr>
+          <p:nvPr/>
+        </p:nvCxnSpPr>
+        <p:spPr>
+          <a:xfrm rot="10800000" flipV="1">
+            <a:off x="1396623" y="4249017"/>
+            <a:ext cx="106960" cy="1571790"/>
+          </a:xfrm>
+          <a:prstGeom prst="bentConnector3">
+            <a:avLst>
+              <a:gd name="adj1" fmla="val 259011"/>
+            </a:avLst>
+          </a:prstGeom>
+          <a:ln w="25400">
+            <a:solidFill>
+              <a:schemeClr val="tx1"/>
+            </a:solidFill>
+            <a:tailEnd type="arrow"/>
+          </a:ln>
+        </p:spPr>
+        <p:style>
+          <a:lnRef idx="1">
+            <a:schemeClr val="accent1"/>
+          </a:lnRef>
+          <a:fillRef idx="0">
+            <a:schemeClr val="accent1"/>
+          </a:fillRef>
+          <a:effectRef idx="0">
+            <a:schemeClr val="accent1"/>
+          </a:effectRef>
+          <a:fontRef idx="minor">
+            <a:schemeClr val="tx1"/>
+          </a:fontRef>
+        </p:style>
+      </p:cxnSp>
+      <p:sp>
+        <p:nvSpPr>
+          <p:cNvPr id="49" name="圆角矩形 48"/>
+          <p:cNvSpPr/>
+          <p:nvPr/>
+        </p:nvSpPr>
+        <p:spPr>
+          <a:xfrm>
+            <a:off x="2299456" y="4744611"/>
+            <a:ext cx="794037" cy="320984"/>
+          </a:xfrm>
+          <a:prstGeom prst="roundRect">
+            <a:avLst/>
+          </a:prstGeom>
+          <a:solidFill>
+            <a:srgbClr val="92D050"/>
+          </a:solidFill>
+          <a:ln>
+            <a:noFill/>
+          </a:ln>
+          <a:effectLst>
+            <a:outerShdw blurRad="44450" dist="27940" dir="5400000" algn="ctr">
+              <a:srgbClr val="000000">
+                <a:alpha val="32000"/>
+              </a:srgbClr>
+            </a:outerShdw>
+          </a:effectLst>
+          <a:scene3d>
+            <a:camera prst="orthographicFront">
+              <a:rot lat="0" lon="0" rev="0"/>
+            </a:camera>
+            <a:lightRig rig="balanced" dir="t">
+              <a:rot lat="0" lon="0" rev="8700000"/>
+            </a:lightRig>
+          </a:scene3d>
+          <a:sp3d>
+            <a:bevelT w="190500" h="38100"/>
+          </a:sp3d>
+        </p:spPr>
+        <p:style>
+          <a:lnRef idx="2">
+            <a:schemeClr val="accent1">
+              <a:shade val="50000"/>
+            </a:schemeClr>
+          </a:lnRef>
+          <a:fillRef idx="1">
+            <a:schemeClr val="accent1"/>
+          </a:fillRef>
+          <a:effectRef idx="0">
+            <a:schemeClr val="accent1"/>
+          </a:effectRef>
+          <a:fontRef idx="minor">
+            <a:schemeClr val="lt1"/>
+          </a:fontRef>
+        </p:style>
+        <p:txBody>
+          <a:bodyPr rtlCol="0" anchor="ctr"/>
+          <a:lstStyle/>
+          <a:p>
+            <a:pPr algn="ctr"/>
+            <a:r>
+              <a:rPr lang="en-US" altLang="zh-CN" sz="1400" dirty="0" err="1" smtClean="0"/>
+              <a:t>glibc</a:t>
+            </a:r>
+            <a:endParaRPr lang="en-US" altLang="zh-CN" sz="1400" dirty="0" smtClean="0"/>
+          </a:p>
+        </p:txBody>
+      </p:sp>
+      <p:sp>
+        <p:nvSpPr>
+          <p:cNvPr id="59" name="圆角矩形 58"/>
+          <p:cNvSpPr/>
+          <p:nvPr/>
+        </p:nvSpPr>
+        <p:spPr>
+          <a:xfrm>
+            <a:off x="3220679" y="4744611"/>
+            <a:ext cx="794037" cy="320984"/>
+          </a:xfrm>
+          <a:prstGeom prst="roundRect">
+            <a:avLst/>
+          </a:prstGeom>
+          <a:solidFill>
+            <a:schemeClr val="accent2">
+              <a:lumMod val="75000"/>
+            </a:schemeClr>
+          </a:solidFill>
+          <a:ln>
+            <a:noFill/>
+          </a:ln>
+          <a:effectLst>
+            <a:outerShdw blurRad="44450" dist="27940" dir="5400000" algn="ctr">
+              <a:srgbClr val="000000">
+                <a:alpha val="32000"/>
+              </a:srgbClr>
+            </a:outerShdw>
+          </a:effectLst>
+          <a:scene3d>
+            <a:camera prst="orthographicFront">
+              <a:rot lat="0" lon="0" rev="0"/>
+            </a:camera>
+            <a:lightRig rig="balanced" dir="t">
+              <a:rot lat="0" lon="0" rev="8700000"/>
+            </a:lightRig>
+          </a:scene3d>
+          <a:sp3d>
+            <a:bevelT w="190500" h="38100"/>
+          </a:sp3d>
+        </p:spPr>
+        <p:style>
+          <a:lnRef idx="2">
+            <a:schemeClr val="accent1">
+              <a:shade val="50000"/>
+            </a:schemeClr>
+          </a:lnRef>
+          <a:fillRef idx="1">
+            <a:schemeClr val="accent1"/>
+          </a:fillRef>
+          <a:effectRef idx="0">
+            <a:schemeClr val="accent1"/>
+          </a:effectRef>
+          <a:fontRef idx="minor">
+            <a:schemeClr val="lt1"/>
+          </a:fontRef>
+        </p:style>
+        <p:txBody>
+          <a:bodyPr rtlCol="0" anchor="ctr"/>
+          <a:lstStyle/>
+          <a:p>
+            <a:pPr algn="ctr"/>
+            <a:r>
+              <a:rPr lang="en-US" altLang="zh-CN" sz="1400" dirty="0" err="1" smtClean="0"/>
+              <a:t>acl</a:t>
+            </a:r>
+            <a:endParaRPr lang="en-US" altLang="zh-CN" sz="1400" dirty="0" smtClean="0"/>
+          </a:p>
+        </p:txBody>
+      </p:sp>
+      <p:sp>
+        <p:nvSpPr>
+          <p:cNvPr id="68" name="圆角矩形 67"/>
+          <p:cNvSpPr/>
+          <p:nvPr/>
+        </p:nvSpPr>
+        <p:spPr>
+          <a:xfrm>
+            <a:off x="4144178" y="4746886"/>
+            <a:ext cx="794037" cy="320984"/>
+          </a:xfrm>
+          <a:prstGeom prst="roundRect">
+            <a:avLst/>
+          </a:prstGeom>
+          <a:solidFill>
+            <a:srgbClr val="00B0F0"/>
+          </a:solidFill>
+          <a:ln>
+            <a:noFill/>
+          </a:ln>
+          <a:effectLst>
+            <a:outerShdw blurRad="44450" dist="27940" dir="5400000" algn="ctr">
+              <a:srgbClr val="000000">
+                <a:alpha val="32000"/>
+              </a:srgbClr>
+            </a:outerShdw>
+          </a:effectLst>
+          <a:scene3d>
+            <a:camera prst="orthographicFront">
+              <a:rot lat="0" lon="0" rev="0"/>
+            </a:camera>
+            <a:lightRig rig="balanced" dir="t">
+              <a:rot lat="0" lon="0" rev="8700000"/>
+            </a:lightRig>
+          </a:scene3d>
+          <a:sp3d>
+            <a:bevelT w="190500" h="38100"/>
+          </a:sp3d>
+        </p:spPr>
+        <p:style>
+          <a:lnRef idx="2">
+            <a:schemeClr val="accent1">
+              <a:shade val="50000"/>
+            </a:schemeClr>
+          </a:lnRef>
+          <a:fillRef idx="1">
+            <a:schemeClr val="accent1"/>
+          </a:fillRef>
+          <a:effectRef idx="0">
+            <a:schemeClr val="accent1"/>
+          </a:effectRef>
+          <a:fontRef idx="minor">
+            <a:schemeClr val="lt1"/>
+          </a:fontRef>
+        </p:style>
+        <p:txBody>
+          <a:bodyPr rtlCol="0" anchor="ctr"/>
+          <a:lstStyle/>
+          <a:p>
+            <a:pPr algn="ctr"/>
+            <a:r>
+              <a:rPr lang="en-US" altLang="zh-CN" sz="1400" dirty="0" smtClean="0"/>
+              <a:t>libssh2</a:t>
+            </a:r>
+          </a:p>
+        </p:txBody>
+      </p:sp>
+      <p:sp>
+        <p:nvSpPr>
+          <p:cNvPr id="69" name="圆角矩形 68"/>
+          <p:cNvSpPr/>
+          <p:nvPr/>
+        </p:nvSpPr>
+        <p:spPr>
+          <a:xfrm>
+            <a:off x="5051754" y="4740062"/>
+            <a:ext cx="794037" cy="320984"/>
+          </a:xfrm>
+          <a:prstGeom prst="roundRect">
+            <a:avLst/>
+          </a:prstGeom>
+          <a:solidFill>
+            <a:schemeClr val="bg2">
+              <a:lumMod val="25000"/>
+            </a:schemeClr>
+          </a:solidFill>
+          <a:ln>
+            <a:noFill/>
+          </a:ln>
+          <a:effectLst>
+            <a:outerShdw blurRad="44450" dist="27940" dir="5400000" algn="ctr">
+              <a:srgbClr val="000000">
+                <a:alpha val="32000"/>
+              </a:srgbClr>
+            </a:outerShdw>
+          </a:effectLst>
+          <a:scene3d>
+            <a:camera prst="orthographicFront">
+              <a:rot lat="0" lon="0" rev="0"/>
+            </a:camera>
+            <a:lightRig rig="balanced" dir="t">
+              <a:rot lat="0" lon="0" rev="8700000"/>
+            </a:lightRig>
+          </a:scene3d>
+          <a:sp3d>
+            <a:bevelT w="190500" h="38100"/>
+          </a:sp3d>
+        </p:spPr>
+        <p:style>
+          <a:lnRef idx="2">
+            <a:schemeClr val="accent1">
+              <a:shade val="50000"/>
+            </a:schemeClr>
+          </a:lnRef>
+          <a:fillRef idx="1">
+            <a:schemeClr val="accent1"/>
+          </a:fillRef>
+          <a:effectRef idx="0">
+            <a:schemeClr val="accent1"/>
+          </a:effectRef>
+          <a:fontRef idx="minor">
+            <a:schemeClr val="lt1"/>
+          </a:fontRef>
+        </p:style>
+        <p:txBody>
+          <a:bodyPr rtlCol="0" anchor="ctr"/>
+          <a:lstStyle/>
+          <a:p>
+            <a:pPr algn="ctr"/>
+            <a:r>
+              <a:rPr lang="en-US" altLang="zh-CN" sz="1400" dirty="0" err="1" smtClean="0"/>
+              <a:t>mtd</a:t>
+            </a:r>
+            <a:endParaRPr lang="en-US" altLang="zh-CN" sz="1400" dirty="0" smtClean="0"/>
+          </a:p>
+        </p:txBody>
+      </p:sp>
+      <p:sp>
+        <p:nvSpPr>
+          <p:cNvPr id="70" name="圆角矩形 69"/>
+          <p:cNvSpPr/>
+          <p:nvPr/>
+        </p:nvSpPr>
+        <p:spPr>
+          <a:xfrm>
+            <a:off x="5975253" y="4742337"/>
+            <a:ext cx="794037" cy="320984"/>
+          </a:xfrm>
+          <a:prstGeom prst="roundRect">
+            <a:avLst/>
+          </a:prstGeom>
+          <a:solidFill>
+            <a:srgbClr val="00B050"/>
+          </a:solidFill>
+          <a:ln>
+            <a:noFill/>
+          </a:ln>
+          <a:effectLst>
+            <a:outerShdw blurRad="44450" dist="27940" dir="5400000" algn="ctr">
+              <a:srgbClr val="000000">
+                <a:alpha val="32000"/>
+              </a:srgbClr>
+            </a:outerShdw>
+          </a:effectLst>
+          <a:scene3d>
+            <a:camera prst="orthographicFront">
+              <a:rot lat="0" lon="0" rev="0"/>
+            </a:camera>
+            <a:lightRig rig="balanced" dir="t">
+              <a:rot lat="0" lon="0" rev="8700000"/>
+            </a:lightRig>
+          </a:scene3d>
+          <a:sp3d>
+            <a:bevelT w="190500" h="38100"/>
+          </a:sp3d>
+        </p:spPr>
+        <p:style>
+          <a:lnRef idx="2">
+            <a:schemeClr val="accent1">
+              <a:shade val="50000"/>
+            </a:schemeClr>
+          </a:lnRef>
+          <a:fillRef idx="1">
+            <a:schemeClr val="accent1"/>
+          </a:fillRef>
+          <a:effectRef idx="0">
+            <a:schemeClr val="accent1"/>
+          </a:effectRef>
+          <a:fontRef idx="minor">
+            <a:schemeClr val="lt1"/>
+          </a:fontRef>
+        </p:style>
+        <p:txBody>
+          <a:bodyPr rtlCol="0" anchor="ctr"/>
+          <a:lstStyle/>
+          <a:p>
+            <a:pPr algn="ctr"/>
+            <a:r>
+              <a:rPr lang="en-US" altLang="zh-CN" sz="1400" dirty="0" err="1" smtClean="0"/>
+              <a:t>pciutils</a:t>
+            </a:r>
+            <a:endParaRPr lang="en-US" altLang="zh-CN" sz="1400" dirty="0" smtClean="0"/>
+          </a:p>
+        </p:txBody>
+      </p:sp>
+      <p:sp>
+        <p:nvSpPr>
+          <p:cNvPr id="71" name="圆角矩形 70"/>
+          <p:cNvSpPr/>
+          <p:nvPr/>
+        </p:nvSpPr>
+        <p:spPr>
+          <a:xfrm>
+            <a:off x="6880553" y="4746886"/>
+            <a:ext cx="794037" cy="320984"/>
+          </a:xfrm>
+          <a:prstGeom prst="roundRect">
+            <a:avLst/>
+          </a:prstGeom>
+          <a:solidFill>
+            <a:srgbClr val="FF0000"/>
+          </a:solidFill>
+          <a:ln>
+            <a:noFill/>
+          </a:ln>
+          <a:effectLst>
+            <a:outerShdw blurRad="44450" dist="27940" dir="5400000" algn="ctr">
+              <a:srgbClr val="000000">
+                <a:alpha val="32000"/>
+              </a:srgbClr>
+            </a:outerShdw>
+          </a:effectLst>
+          <a:scene3d>
+            <a:camera prst="orthographicFront">
+              <a:rot lat="0" lon="0" rev="0"/>
+            </a:camera>
+            <a:lightRig rig="balanced" dir="t">
+              <a:rot lat="0" lon="0" rev="8700000"/>
+            </a:lightRig>
+          </a:scene3d>
+          <a:sp3d>
+            <a:bevelT w="190500" h="38100"/>
+          </a:sp3d>
+        </p:spPr>
+        <p:style>
+          <a:lnRef idx="2">
+            <a:schemeClr val="accent1">
+              <a:shade val="50000"/>
+            </a:schemeClr>
+          </a:lnRef>
+          <a:fillRef idx="1">
+            <a:schemeClr val="accent1"/>
+          </a:fillRef>
+          <a:effectRef idx="0">
+            <a:schemeClr val="accent1"/>
+          </a:effectRef>
+          <a:fontRef idx="minor">
+            <a:schemeClr val="lt1"/>
+          </a:fontRef>
+        </p:style>
+        <p:txBody>
+          <a:bodyPr rtlCol="0" anchor="ctr"/>
+          <a:lstStyle/>
+          <a:p>
+            <a:pPr algn="ctr"/>
+            <a:r>
+              <a:rPr lang="en-US" altLang="zh-CN" sz="1400" dirty="0" err="1" smtClean="0"/>
+              <a:t>cpio</a:t>
+            </a:r>
+            <a:endParaRPr lang="en-US" altLang="zh-CN" sz="1400" dirty="0" smtClean="0"/>
+          </a:p>
+        </p:txBody>
+      </p:sp>
+      <p:sp>
+        <p:nvSpPr>
+          <p:cNvPr id="77" name="圆角矩形 76"/>
+          <p:cNvSpPr/>
+          <p:nvPr/>
+        </p:nvSpPr>
+        <p:spPr>
+          <a:xfrm>
+            <a:off x="7804052" y="4749161"/>
+            <a:ext cx="794037" cy="320984"/>
+          </a:xfrm>
+          <a:prstGeom prst="roundRect">
+            <a:avLst/>
+          </a:prstGeom>
+          <a:solidFill>
+            <a:srgbClr val="41719C"/>
+          </a:solidFill>
+          <a:ln>
+            <a:noFill/>
+          </a:ln>
+          <a:effectLst>
+            <a:outerShdw blurRad="44450" dist="27940" dir="5400000" algn="ctr">
+              <a:srgbClr val="000000">
+                <a:alpha val="32000"/>
+              </a:srgbClr>
+            </a:outerShdw>
+          </a:effectLst>
+          <a:scene3d>
+            <a:camera prst="orthographicFront">
+              <a:rot lat="0" lon="0" rev="0"/>
+            </a:camera>
+            <a:lightRig rig="balanced" dir="t">
+              <a:rot lat="0" lon="0" rev="8700000"/>
+            </a:lightRig>
+          </a:scene3d>
+          <a:sp3d>
+            <a:bevelT w="190500" h="38100"/>
+          </a:sp3d>
+        </p:spPr>
+        <p:style>
+          <a:lnRef idx="2">
+            <a:schemeClr val="accent1">
+              <a:shade val="50000"/>
+            </a:schemeClr>
+          </a:lnRef>
+          <a:fillRef idx="1">
+            <a:schemeClr val="accent1"/>
+          </a:fillRef>
+          <a:effectRef idx="0">
+            <a:schemeClr val="accent1"/>
+          </a:effectRef>
+          <a:fontRef idx="minor">
+            <a:schemeClr val="lt1"/>
+          </a:fontRef>
+        </p:style>
+        <p:txBody>
+          <a:bodyPr rtlCol="0" anchor="ctr"/>
+          <a:lstStyle/>
+          <a:p>
+            <a:pPr algn="ctr"/>
+            <a:r>
+              <a:rPr lang="en-US" altLang="zh-CN" sz="1400" dirty="0" err="1" smtClean="0"/>
+              <a:t>passwd</a:t>
+            </a:r>
+            <a:endParaRPr lang="en-US" altLang="zh-CN" sz="1400" dirty="0" smtClean="0"/>
+          </a:p>
+        </p:txBody>
+      </p:sp>
+      <p:sp>
+        <p:nvSpPr>
+          <p:cNvPr id="82" name="圆角矩形 81"/>
+          <p:cNvSpPr/>
+          <p:nvPr/>
+        </p:nvSpPr>
+        <p:spPr>
+          <a:xfrm>
+            <a:off x="2653618" y="5729094"/>
+            <a:ext cx="1156381" cy="195617"/>
+          </a:xfrm>
+          <a:prstGeom prst="roundRect">
+            <a:avLst/>
+          </a:prstGeom>
+          <a:solidFill>
+            <a:schemeClr val="bg1"/>
+          </a:solidFill>
+          <a:ln>
+            <a:noFill/>
+          </a:ln>
+        </p:spPr>
+        <p:style>
+          <a:lnRef idx="2">
+            <a:schemeClr val="accent1">
+              <a:shade val="50000"/>
+            </a:schemeClr>
+          </a:lnRef>
+          <a:fillRef idx="1">
+            <a:schemeClr val="accent1"/>
+          </a:fillRef>
+          <a:effectRef idx="0">
+            <a:schemeClr val="accent1"/>
+          </a:effectRef>
+          <a:fontRef idx="minor">
+            <a:schemeClr val="lt1"/>
+          </a:fontRef>
+        </p:style>
+        <p:txBody>
+          <a:bodyPr rtlCol="0" anchor="ctr"/>
+          <a:lstStyle/>
+          <a:p>
+            <a:pPr algn="ctr"/>
+            <a:r>
+              <a:rPr lang="en-US" altLang="zh-CN" sz="1400" dirty="0" smtClean="0">
+                <a:solidFill>
+                  <a:schemeClr val="tx1"/>
+                </a:solidFill>
+              </a:rPr>
+              <a:t>/dev/</a:t>
+            </a:r>
+            <a:r>
+              <a:rPr lang="en-US" altLang="zh-CN" sz="1400" dirty="0" err="1" smtClean="0">
+                <a:solidFill>
+                  <a:schemeClr val="tx1"/>
+                </a:solidFill>
+              </a:rPr>
+              <a:t>tty</a:t>
+            </a:r>
+            <a:endParaRPr lang="zh-CN" altLang="en-US" sz="1400" dirty="0">
+              <a:solidFill>
+                <a:schemeClr val="tx1"/>
+              </a:solidFill>
+            </a:endParaRPr>
+          </a:p>
+        </p:txBody>
+      </p:sp>
+      <p:sp>
+        <p:nvSpPr>
+          <p:cNvPr id="85" name="圆角矩形 84"/>
+          <p:cNvSpPr/>
+          <p:nvPr/>
+        </p:nvSpPr>
+        <p:spPr>
+          <a:xfrm>
+            <a:off x="3888667" y="5727875"/>
+            <a:ext cx="1156381" cy="195617"/>
+          </a:xfrm>
+          <a:prstGeom prst="roundRect">
+            <a:avLst/>
+          </a:prstGeom>
+          <a:solidFill>
+            <a:schemeClr val="bg1"/>
+          </a:solidFill>
+          <a:ln>
+            <a:noFill/>
+          </a:ln>
+        </p:spPr>
+        <p:style>
+          <a:lnRef idx="2">
+            <a:schemeClr val="accent1">
+              <a:shade val="50000"/>
+            </a:schemeClr>
+          </a:lnRef>
+          <a:fillRef idx="1">
+            <a:schemeClr val="accent1"/>
+          </a:fillRef>
+          <a:effectRef idx="0">
+            <a:schemeClr val="accent1"/>
+          </a:effectRef>
+          <a:fontRef idx="minor">
+            <a:schemeClr val="lt1"/>
+          </a:fontRef>
+        </p:style>
+        <p:txBody>
+          <a:bodyPr rtlCol="0" anchor="ctr"/>
+          <a:lstStyle/>
+          <a:p>
+            <a:pPr algn="ctr"/>
+            <a:r>
+              <a:rPr lang="en-US" altLang="zh-CN" sz="1400" dirty="0" smtClean="0">
+                <a:solidFill>
+                  <a:schemeClr val="tx1"/>
+                </a:solidFill>
+              </a:rPr>
+              <a:t>/dev/console</a:t>
+            </a:r>
+            <a:endParaRPr lang="zh-CN" altLang="en-US" sz="1400" dirty="0">
+              <a:solidFill>
+                <a:schemeClr val="tx1"/>
+              </a:solidFill>
+            </a:endParaRPr>
+          </a:p>
+        </p:txBody>
+      </p:sp>
+      <p:sp>
+        <p:nvSpPr>
+          <p:cNvPr id="86" name="圆角矩形 85"/>
+          <p:cNvSpPr/>
+          <p:nvPr/>
+        </p:nvSpPr>
+        <p:spPr>
+          <a:xfrm>
+            <a:off x="5140786" y="5729094"/>
+            <a:ext cx="1156381" cy="195617"/>
+          </a:xfrm>
+          <a:prstGeom prst="roundRect">
+            <a:avLst/>
+          </a:prstGeom>
+          <a:solidFill>
+            <a:schemeClr val="bg1"/>
+          </a:solidFill>
+          <a:ln>
+            <a:noFill/>
+          </a:ln>
+        </p:spPr>
+        <p:style>
+          <a:lnRef idx="2">
+            <a:schemeClr val="accent1">
+              <a:shade val="50000"/>
+            </a:schemeClr>
+          </a:lnRef>
+          <a:fillRef idx="1">
+            <a:schemeClr val="accent1"/>
+          </a:fillRef>
+          <a:effectRef idx="0">
+            <a:schemeClr val="accent1"/>
+          </a:effectRef>
+          <a:fontRef idx="minor">
+            <a:schemeClr val="lt1"/>
+          </a:fontRef>
+        </p:style>
+        <p:txBody>
+          <a:bodyPr rtlCol="0" anchor="ctr"/>
+          <a:lstStyle/>
+          <a:p>
+            <a:pPr algn="ctr"/>
+            <a:r>
+              <a:rPr lang="en-US" altLang="zh-CN" sz="1400" dirty="0" smtClean="0">
+                <a:solidFill>
+                  <a:schemeClr val="tx1"/>
+                </a:solidFill>
+              </a:rPr>
+              <a:t>/dev/dm-0</a:t>
+            </a:r>
+            <a:endParaRPr lang="zh-CN" altLang="en-US" sz="1400" dirty="0">
+              <a:solidFill>
+                <a:schemeClr val="tx1"/>
+              </a:solidFill>
+            </a:endParaRPr>
+          </a:p>
+        </p:txBody>
+      </p:sp>
+      <p:sp>
+        <p:nvSpPr>
+          <p:cNvPr id="87" name="圆角矩形 86"/>
+          <p:cNvSpPr/>
+          <p:nvPr/>
+        </p:nvSpPr>
+        <p:spPr>
+          <a:xfrm>
+            <a:off x="6397781" y="5735190"/>
+            <a:ext cx="1202712" cy="195617"/>
+          </a:xfrm>
+          <a:prstGeom prst="roundRect">
+            <a:avLst/>
+          </a:prstGeom>
+          <a:solidFill>
+            <a:schemeClr val="bg1"/>
+          </a:solidFill>
+          <a:ln>
+            <a:noFill/>
+          </a:ln>
+        </p:spPr>
+        <p:style>
+          <a:lnRef idx="2">
+            <a:schemeClr val="accent1">
+              <a:shade val="50000"/>
+            </a:schemeClr>
+          </a:lnRef>
+          <a:fillRef idx="1">
+            <a:schemeClr val="accent1"/>
+          </a:fillRef>
+          <a:effectRef idx="0">
+            <a:schemeClr val="accent1"/>
+          </a:effectRef>
+          <a:fontRef idx="minor">
+            <a:schemeClr val="lt1"/>
+          </a:fontRef>
+        </p:style>
+        <p:txBody>
+          <a:bodyPr rtlCol="0" anchor="ctr"/>
+          <a:lstStyle/>
+          <a:p>
+            <a:pPr algn="ctr"/>
+            <a:r>
+              <a:rPr lang="en-US" altLang="zh-CN" sz="1400" dirty="0" smtClean="0">
+                <a:solidFill>
+                  <a:schemeClr val="tx1"/>
+                </a:solidFill>
+              </a:rPr>
+              <a:t>/dev/random</a:t>
+            </a:r>
+            <a:endParaRPr lang="zh-CN" altLang="en-US" sz="1400" dirty="0">
+              <a:solidFill>
+                <a:schemeClr val="tx1"/>
+              </a:solidFill>
+            </a:endParaRPr>
+          </a:p>
+        </p:txBody>
+      </p:sp>
+      <p:sp>
+        <p:nvSpPr>
+          <p:cNvPr id="88" name="圆角矩形 87"/>
+          <p:cNvSpPr/>
+          <p:nvPr/>
+        </p:nvSpPr>
+        <p:spPr>
+          <a:xfrm>
+            <a:off x="7691350" y="5733971"/>
+            <a:ext cx="1156381" cy="195617"/>
+          </a:xfrm>
+          <a:prstGeom prst="roundRect">
+            <a:avLst/>
+          </a:prstGeom>
+          <a:solidFill>
+            <a:schemeClr val="bg1"/>
+          </a:solidFill>
+          <a:ln>
+            <a:noFill/>
+          </a:ln>
+        </p:spPr>
+        <p:style>
+          <a:lnRef idx="2">
+            <a:schemeClr val="accent1">
+              <a:shade val="50000"/>
+            </a:schemeClr>
+          </a:lnRef>
+          <a:fillRef idx="1">
+            <a:schemeClr val="accent1"/>
+          </a:fillRef>
+          <a:effectRef idx="0">
+            <a:schemeClr val="accent1"/>
+          </a:effectRef>
+          <a:fontRef idx="minor">
+            <a:schemeClr val="lt1"/>
+          </a:fontRef>
+        </p:style>
+        <p:txBody>
+          <a:bodyPr rtlCol="0" anchor="ctr"/>
+          <a:lstStyle/>
+          <a:p>
+            <a:pPr algn="ctr"/>
+            <a:r>
+              <a:rPr lang="en-US" altLang="zh-CN" sz="1400" dirty="0" smtClean="0">
+                <a:solidFill>
+                  <a:schemeClr val="tx1"/>
+                </a:solidFill>
+              </a:rPr>
+              <a:t>/dev/</a:t>
+            </a:r>
+            <a:r>
+              <a:rPr lang="en-US" altLang="zh-CN" sz="1400" dirty="0" err="1" smtClean="0">
+                <a:solidFill>
+                  <a:schemeClr val="tx1"/>
+                </a:solidFill>
+              </a:rPr>
+              <a:t>uinput</a:t>
+            </a:r>
+            <a:endParaRPr lang="zh-CN" altLang="en-US" sz="1400" dirty="0">
+              <a:solidFill>
+                <a:schemeClr val="tx1"/>
+              </a:solidFill>
+            </a:endParaRPr>
+          </a:p>
+        </p:txBody>
+      </p:sp>
+      <p:sp>
+        <p:nvSpPr>
+          <p:cNvPr id="89" name="TextBox 88"/>
+          <p:cNvSpPr txBox="1"/>
+          <p:nvPr/>
+        </p:nvSpPr>
+        <p:spPr>
+          <a:xfrm>
+            <a:off x="8809074" y="5608799"/>
+            <a:ext cx="296175" cy="369332"/>
+          </a:xfrm>
+          <a:prstGeom prst="rect">
+            <a:avLst/>
+          </a:prstGeom>
+          <a:noFill/>
+        </p:spPr>
+        <p:txBody>
+          <a:bodyPr wrap="square" rtlCol="0">
+            <a:spAutoFit/>
+          </a:bodyPr>
+          <a:lstStyle/>
+          <a:p>
+            <a:r>
+              <a:rPr lang="en-US" altLang="zh-CN" dirty="0" smtClean="0"/>
+              <a:t>…</a:t>
+            </a:r>
+            <a:endParaRPr lang="zh-CN" altLang="en-US" dirty="0"/>
+          </a:p>
+        </p:txBody>
+      </p:sp>
+      <p:sp>
+        <p:nvSpPr>
+          <p:cNvPr id="44" name="TextBox 43"/>
+          <p:cNvSpPr txBox="1"/>
+          <p:nvPr/>
+        </p:nvSpPr>
+        <p:spPr>
+          <a:xfrm>
+            <a:off x="9180522" y="4732799"/>
+            <a:ext cx="1660603" cy="369332"/>
+          </a:xfrm>
+          <a:prstGeom prst="rect">
+            <a:avLst/>
+          </a:prstGeom>
+          <a:noFill/>
+        </p:spPr>
+        <p:txBody>
+          <a:bodyPr wrap="square" rtlCol="0">
+            <a:spAutoFit/>
+          </a:bodyPr>
+          <a:lstStyle/>
+          <a:p>
+            <a:r>
+              <a:rPr lang="en-US" altLang="zh-CN" dirty="0" smtClean="0"/>
+              <a:t>Middle layer</a:t>
+            </a:r>
+            <a:endParaRPr lang="zh-CN" altLang="en-US" dirty="0"/>
+          </a:p>
+        </p:txBody>
+      </p:sp>
+      <p:sp>
+        <p:nvSpPr>
+          <p:cNvPr id="46" name="TextBox 45"/>
+          <p:cNvSpPr txBox="1"/>
+          <p:nvPr/>
+        </p:nvSpPr>
+        <p:spPr>
+          <a:xfrm>
+            <a:off x="9215880" y="5667926"/>
+            <a:ext cx="1339954" cy="369332"/>
+          </a:xfrm>
+          <a:prstGeom prst="rect">
+            <a:avLst/>
+          </a:prstGeom>
+          <a:noFill/>
+        </p:spPr>
+        <p:txBody>
+          <a:bodyPr wrap="square" rtlCol="0">
+            <a:spAutoFit/>
+          </a:bodyPr>
+          <a:lstStyle/>
+          <a:p>
+            <a:r>
+              <a:rPr lang="en-US" altLang="zh-CN" dirty="0" smtClean="0"/>
+              <a:t>Hardware</a:t>
+            </a:r>
+            <a:endParaRPr lang="zh-CN" altLang="en-US" dirty="0"/>
+          </a:p>
+        </p:txBody>
+      </p:sp>
+      <p:sp>
+        <p:nvSpPr>
+          <p:cNvPr id="47" name="TextBox 46"/>
+          <p:cNvSpPr txBox="1"/>
+          <p:nvPr/>
+        </p:nvSpPr>
+        <p:spPr>
+          <a:xfrm>
+            <a:off x="9230513" y="5229004"/>
+            <a:ext cx="1010092" cy="369332"/>
+          </a:xfrm>
+          <a:prstGeom prst="rect">
+            <a:avLst/>
+          </a:prstGeom>
+          <a:noFill/>
+        </p:spPr>
+        <p:txBody>
+          <a:bodyPr wrap="square" rtlCol="0">
+            <a:spAutoFit/>
+          </a:bodyPr>
+          <a:lstStyle/>
+          <a:p>
+            <a:r>
+              <a:rPr lang="en-US" altLang="zh-CN" dirty="0" smtClean="0"/>
+              <a:t>Kernel</a:t>
             </a:r>
             <a:endParaRPr lang="zh-CN" altLang="en-US" dirty="0"/>
           </a:p>
@@ -5418,7 +7256,7 @@
   <a:extraClrSchemeLst/>
   <a:extLst>
     <a:ext uri="{05A4C25C-085E-4340-85A3-A5531E510DB2}">
-      <thm15:themeFamily xmlns="" xmlns:thm15="http://schemas.microsoft.com/office/thememl/2012/main" name="Office Theme" id="{62F939B6-93AF-4DB8-9C6B-D6C7DFDC589F}" vid="{4A3C46E8-61CC-4603-A589-7422A47A8E4A}"/>
+      <thm15:themeFamily xmlns:thm15="http://schemas.microsoft.com/office/thememl/2012/main" xmlns="" name="Office Theme" id="{62F939B6-93AF-4DB8-9C6B-D6C7DFDC589F}" vid="{4A3C46E8-61CC-4603-A589-7422A47A8E4A}"/>
     </a:ext>
   </a:extLst>
 </a:theme>
